--- a/presentation/PSL_Praxis_frontend_2017.pptx
+++ b/presentation/PSL_Praxis_frontend_2017.pptx
@@ -5,10 +5,10 @@
     <p:sldMasterId id="2147483743" r:id="rId1"/>
   </p:sldMasterIdLst>
   <p:notesMasterIdLst>
-    <p:notesMasterId r:id="rId16"/>
+    <p:notesMasterId r:id="rId18"/>
   </p:notesMasterIdLst>
   <p:handoutMasterIdLst>
-    <p:handoutMasterId r:id="rId17"/>
+    <p:handoutMasterId r:id="rId19"/>
   </p:handoutMasterIdLst>
   <p:sldIdLst>
     <p:sldId id="310" r:id="rId2"/>
@@ -22,9 +22,11 @@
     <p:sldId id="381" r:id="rId10"/>
     <p:sldId id="375" r:id="rId11"/>
     <p:sldId id="385" r:id="rId12"/>
-    <p:sldId id="388" r:id="rId13"/>
+    <p:sldId id="389" r:id="rId13"/>
     <p:sldId id="386" r:id="rId14"/>
-    <p:sldId id="387" r:id="rId15"/>
+    <p:sldId id="388" r:id="rId15"/>
+    <p:sldId id="390" r:id="rId16"/>
+    <p:sldId id="387" r:id="rId17"/>
   </p:sldIdLst>
   <p:sldSz cx="12192000" cy="6858000"/>
   <p:notesSz cx="6858000" cy="9144000"/>
@@ -239,7 +241,7 @@
             <a:fld id="{1E417C2D-3B5C-4954-AB0B-C3A7999447FF}" type="datetimeFigureOut">
               <a:rPr lang="es-CO" smtClean="0"/>
               <a:pPr/>
-              <a:t>19/02/2018</a:t>
+              <a:t>21/02/2018</a:t>
             </a:fld>
             <a:endParaRPr lang="es-CO"/>
           </a:p>
@@ -406,7 +408,7 @@
             <a:fld id="{41683328-9555-49B6-A1C0-4123E219BF56}" type="datetimeFigureOut">
               <a:rPr lang="es-CO" smtClean="0"/>
               <a:pPr/>
-              <a:t>19/02/2018</a:t>
+              <a:t>21/02/2018</a:t>
             </a:fld>
             <a:endParaRPr lang="es-CO"/>
           </a:p>
@@ -3153,6 +3155,769 @@
       </p:grpSpPr>
       <p:sp>
         <p:nvSpPr>
+          <p:cNvPr id="44034" name="Rectangle 7"/>
+          <p:cNvSpPr>
+            <a:spLocks noGrp="1" noChangeArrowheads="1"/>
+          </p:cNvSpPr>
+          <p:nvPr>
+            <p:ph type="sldNum" sz="quarter" idx="5"/>
+          </p:nvPr>
+        </p:nvSpPr>
+        <p:spPr>
+          <a:noFill/>
+          <a:ln/>
+          <a:extLst>
+            <a:ext uri="{909E8E84-426E-40DD-AFC4-6F175D3DCCD1}">
+              <a14:hiddenFill xmlns:a14="http://schemas.microsoft.com/office/drawing/2010/main">
+                <a:solidFill>
+                  <a:srgbClr val="FFFFFF"/>
+                </a:solidFill>
+              </a14:hiddenFill>
+            </a:ext>
+            <a:ext uri="{91240B29-F687-4F45-9708-019B960494DF}">
+              <a14:hiddenLine xmlns:a14="http://schemas.microsoft.com/office/drawing/2010/main" w="9525">
+                <a:solidFill>
+                  <a:srgbClr val="000000"/>
+                </a:solidFill>
+                <a:miter lim="800000"/>
+                <a:headEnd/>
+                <a:tailEnd/>
+              </a14:hiddenLine>
+            </a:ext>
+          </a:extLst>
+        </p:spPr>
+        <p:txBody>
+          <a:bodyPr/>
+          <a:lstStyle>
+            <a:lvl1pPr eaLnBrk="0" hangingPunct="0">
+              <a:defRPr>
+                <a:solidFill>
+                  <a:schemeClr val="tx1"/>
+                </a:solidFill>
+                <a:latin typeface="Arial" charset="0"/>
+              </a:defRPr>
+            </a:lvl1pPr>
+            <a:lvl2pPr marL="685817" indent="-263776" eaLnBrk="0" hangingPunct="0">
+              <a:defRPr>
+                <a:solidFill>
+                  <a:schemeClr val="tx1"/>
+                </a:solidFill>
+                <a:latin typeface="Arial" charset="0"/>
+              </a:defRPr>
+            </a:lvl2pPr>
+            <a:lvl3pPr marL="1055103" indent="-211021" eaLnBrk="0" hangingPunct="0">
+              <a:defRPr>
+                <a:solidFill>
+                  <a:schemeClr val="tx1"/>
+                </a:solidFill>
+                <a:latin typeface="Arial" charset="0"/>
+              </a:defRPr>
+            </a:lvl3pPr>
+            <a:lvl4pPr marL="1477145" indent="-211021" eaLnBrk="0" hangingPunct="0">
+              <a:defRPr>
+                <a:solidFill>
+                  <a:schemeClr val="tx1"/>
+                </a:solidFill>
+                <a:latin typeface="Arial" charset="0"/>
+              </a:defRPr>
+            </a:lvl4pPr>
+            <a:lvl5pPr marL="1899186" indent="-211021" eaLnBrk="0" hangingPunct="0">
+              <a:defRPr>
+                <a:solidFill>
+                  <a:schemeClr val="tx1"/>
+                </a:solidFill>
+                <a:latin typeface="Arial" charset="0"/>
+              </a:defRPr>
+            </a:lvl5pPr>
+            <a:lvl6pPr marL="2321227" indent="-211021" eaLnBrk="0" fontAlgn="base" hangingPunct="0">
+              <a:spcBef>
+                <a:spcPct val="0"/>
+              </a:spcBef>
+              <a:spcAft>
+                <a:spcPct val="0"/>
+              </a:spcAft>
+              <a:defRPr>
+                <a:solidFill>
+                  <a:schemeClr val="tx1"/>
+                </a:solidFill>
+                <a:latin typeface="Arial" charset="0"/>
+              </a:defRPr>
+            </a:lvl6pPr>
+            <a:lvl7pPr marL="2743269" indent="-211021" eaLnBrk="0" fontAlgn="base" hangingPunct="0">
+              <a:spcBef>
+                <a:spcPct val="0"/>
+              </a:spcBef>
+              <a:spcAft>
+                <a:spcPct val="0"/>
+              </a:spcAft>
+              <a:defRPr>
+                <a:solidFill>
+                  <a:schemeClr val="tx1"/>
+                </a:solidFill>
+                <a:latin typeface="Arial" charset="0"/>
+              </a:defRPr>
+            </a:lvl7pPr>
+            <a:lvl8pPr marL="3165310" indent="-211021" eaLnBrk="0" fontAlgn="base" hangingPunct="0">
+              <a:spcBef>
+                <a:spcPct val="0"/>
+              </a:spcBef>
+              <a:spcAft>
+                <a:spcPct val="0"/>
+              </a:spcAft>
+              <a:defRPr>
+                <a:solidFill>
+                  <a:schemeClr val="tx1"/>
+                </a:solidFill>
+                <a:latin typeface="Arial" charset="0"/>
+              </a:defRPr>
+            </a:lvl8pPr>
+            <a:lvl9pPr marL="3587351" indent="-211021" eaLnBrk="0" fontAlgn="base" hangingPunct="0">
+              <a:spcBef>
+                <a:spcPct val="0"/>
+              </a:spcBef>
+              <a:spcAft>
+                <a:spcPct val="0"/>
+              </a:spcAft>
+              <a:defRPr>
+                <a:solidFill>
+                  <a:schemeClr val="tx1"/>
+                </a:solidFill>
+                <a:latin typeface="Arial" charset="0"/>
+              </a:defRPr>
+            </a:lvl9pPr>
+          </a:lstStyle>
+          <a:p>
+            <a:pPr eaLnBrk="1" hangingPunct="1"/>
+            <a:fld id="{2AB1EE1C-3344-449A-868E-8892AF3D2646}" type="slidenum">
+              <a:rPr lang="en-US" smtClean="0"/>
+              <a:pPr eaLnBrk="1" hangingPunct="1"/>
+              <a:t>15</a:t>
+            </a:fld>
+            <a:endParaRPr lang="en-US" smtClean="0"/>
+          </a:p>
+        </p:txBody>
+      </p:sp>
+      <p:sp>
+        <p:nvSpPr>
+          <p:cNvPr id="44035" name="Rectangle 2"/>
+          <p:cNvSpPr>
+            <a:spLocks noGrp="1" noRot="1" noChangeAspect="1" noChangeArrowheads="1" noTextEdit="1"/>
+          </p:cNvSpPr>
+          <p:nvPr>
+            <p:ph type="sldImg"/>
+          </p:nvPr>
+        </p:nvSpPr>
+        <p:spPr>
+          <a:xfrm>
+            <a:off x="381000" y="685800"/>
+            <a:ext cx="6096000" cy="3429000"/>
+          </a:xfrm>
+          <a:ln/>
+        </p:spPr>
+      </p:sp>
+      <p:sp>
+        <p:nvSpPr>
+          <p:cNvPr id="44036" name="Rectangle 3"/>
+          <p:cNvSpPr>
+            <a:spLocks noGrp="1" noChangeArrowheads="1"/>
+          </p:cNvSpPr>
+          <p:nvPr>
+            <p:ph type="body" idx="1"/>
+          </p:nvPr>
+        </p:nvSpPr>
+        <p:spPr>
+          <a:noFill/>
+          <a:ln/>
+          <a:extLst>
+            <a:ext uri="{909E8E84-426E-40DD-AFC4-6F175D3DCCD1}">
+              <a14:hiddenFill xmlns:a14="http://schemas.microsoft.com/office/drawing/2010/main">
+                <a:solidFill>
+                  <a:srgbClr val="FFFFFF"/>
+                </a:solidFill>
+              </a14:hiddenFill>
+            </a:ext>
+            <a:ext uri="{91240B29-F687-4F45-9708-019B960494DF}">
+              <a14:hiddenLine xmlns:a14="http://schemas.microsoft.com/office/drawing/2010/main" w="9525">
+                <a:solidFill>
+                  <a:srgbClr val="000000"/>
+                </a:solidFill>
+                <a:miter lim="800000"/>
+                <a:headEnd/>
+                <a:tailEnd/>
+              </a14:hiddenLine>
+            </a:ext>
+          </a:extLst>
+        </p:spPr>
+        <p:txBody>
+          <a:bodyPr/>
+          <a:lstStyle/>
+          <a:p>
+            <a:pPr marL="342900" indent="-342900">
+              <a:lnSpc>
+                <a:spcPct val="80000"/>
+              </a:lnSpc>
+              <a:spcBef>
+                <a:spcPct val="20000"/>
+              </a:spcBef>
+              <a:buFontTx/>
+              <a:buBlip>
+                <a:blip r:embed="rId3"/>
+              </a:buBlip>
+            </a:pPr>
+            <a:r>
+              <a:rPr lang="es-CO" sz="1200" dirty="0" smtClean="0">
+                <a:solidFill>
+                  <a:schemeClr val="bg1">
+                    <a:lumMod val="50000"/>
+                  </a:schemeClr>
+                </a:solidFill>
+                <a:latin typeface="Arial" pitchFamily="34" charset="0"/>
+                <a:cs typeface="Arial" pitchFamily="34" charset="0"/>
+              </a:rPr>
+              <a:t>Más de 5</a:t>
+            </a:r>
+            <a:r>
+              <a:rPr lang="es-CO" sz="1200" dirty="0" smtClean="0">
+                <a:solidFill>
+                  <a:schemeClr val="accent1"/>
+                </a:solidFill>
+                <a:latin typeface="Arial" pitchFamily="34" charset="0"/>
+                <a:cs typeface="Arial" pitchFamily="34" charset="0"/>
+              </a:rPr>
+              <a:t>00</a:t>
+            </a:r>
+            <a:r>
+              <a:rPr lang="es-CO" sz="1200" dirty="0" smtClean="0">
+                <a:solidFill>
+                  <a:srgbClr val="000000"/>
+                </a:solidFill>
+                <a:latin typeface="Arial" pitchFamily="34" charset="0"/>
+                <a:cs typeface="Arial" pitchFamily="34" charset="0"/>
+              </a:rPr>
+              <a:t> </a:t>
+            </a:r>
+            <a:r>
+              <a:rPr lang="es-CO" sz="1200" dirty="0" smtClean="0">
+                <a:solidFill>
+                  <a:schemeClr val="bg1">
+                    <a:lumMod val="50000"/>
+                  </a:schemeClr>
+                </a:solidFill>
+                <a:latin typeface="Arial" pitchFamily="34" charset="0"/>
+                <a:cs typeface="Arial" pitchFamily="34" charset="0"/>
+              </a:rPr>
+              <a:t>empleados en el mundo, de los cuales el </a:t>
+            </a:r>
+            <a:r>
+              <a:rPr lang="es-CO" sz="1200" dirty="0" smtClean="0">
+                <a:solidFill>
+                  <a:schemeClr val="accent1"/>
+                </a:solidFill>
+                <a:latin typeface="Arial" pitchFamily="34" charset="0"/>
+                <a:cs typeface="Arial" pitchFamily="34" charset="0"/>
+              </a:rPr>
+              <a:t>90% son ingenieros.</a:t>
+            </a:r>
+          </a:p>
+          <a:p>
+            <a:pPr marL="342900" indent="-342900">
+              <a:lnSpc>
+                <a:spcPct val="80000"/>
+              </a:lnSpc>
+              <a:spcBef>
+                <a:spcPct val="20000"/>
+              </a:spcBef>
+              <a:buFontTx/>
+              <a:buBlip>
+                <a:blip r:embed="rId3"/>
+              </a:buBlip>
+            </a:pPr>
+            <a:r>
+              <a:rPr lang="es-CO" sz="1200" dirty="0" smtClean="0">
+                <a:solidFill>
+                  <a:schemeClr val="bg1">
+                    <a:lumMod val="50000"/>
+                  </a:schemeClr>
+                </a:solidFill>
+                <a:latin typeface="Arial" pitchFamily="34" charset="0"/>
+                <a:cs typeface="Arial" pitchFamily="34" charset="0"/>
+              </a:rPr>
+              <a:t>Grupo empresarial con oficinas en </a:t>
+            </a:r>
+            <a:r>
+              <a:rPr lang="es-CO" sz="1200" dirty="0" smtClean="0">
+                <a:solidFill>
+                  <a:schemeClr val="accent1"/>
+                </a:solidFill>
+                <a:latin typeface="Arial" pitchFamily="34" charset="0"/>
+                <a:cs typeface="Arial" pitchFamily="34" charset="0"/>
+              </a:rPr>
+              <a:t>USA, México y Colombia</a:t>
+            </a:r>
+            <a:r>
+              <a:rPr lang="es-CO" sz="1200" dirty="0" smtClean="0">
+                <a:solidFill>
+                  <a:srgbClr val="000000"/>
+                </a:solidFill>
+                <a:latin typeface="Arial" pitchFamily="34" charset="0"/>
+                <a:cs typeface="Arial" pitchFamily="34" charset="0"/>
+              </a:rPr>
+              <a:t>.</a:t>
+            </a:r>
+          </a:p>
+          <a:p>
+            <a:pPr marL="342900" indent="-342900">
+              <a:lnSpc>
+                <a:spcPct val="80000"/>
+              </a:lnSpc>
+              <a:spcBef>
+                <a:spcPct val="20000"/>
+              </a:spcBef>
+              <a:buFontTx/>
+              <a:buBlip>
+                <a:blip r:embed="rId3"/>
+              </a:buBlip>
+            </a:pPr>
+            <a:r>
+              <a:rPr lang="es-CO" sz="1200" dirty="0" smtClean="0">
+                <a:solidFill>
+                  <a:schemeClr val="accent1"/>
+                </a:solidFill>
+                <a:latin typeface="Arial" pitchFamily="34" charset="0"/>
+                <a:cs typeface="Arial" pitchFamily="34" charset="0"/>
+              </a:rPr>
+              <a:t>30 años </a:t>
+            </a:r>
+            <a:r>
+              <a:rPr lang="es-CO" sz="1200" dirty="0" smtClean="0">
+                <a:solidFill>
+                  <a:schemeClr val="bg1">
+                    <a:lumMod val="50000"/>
+                  </a:schemeClr>
+                </a:solidFill>
+                <a:latin typeface="Arial" pitchFamily="34" charset="0"/>
+                <a:cs typeface="Arial" pitchFamily="34" charset="0"/>
+              </a:rPr>
+              <a:t>de experiencia en despliegue de proyectos de IT</a:t>
+            </a:r>
+            <a:r>
+              <a:rPr lang="es-CO" sz="1200" dirty="0" smtClean="0">
+                <a:solidFill>
+                  <a:srgbClr val="000000"/>
+                </a:solidFill>
+                <a:latin typeface="Arial" pitchFamily="34" charset="0"/>
+                <a:cs typeface="Arial" pitchFamily="34" charset="0"/>
+              </a:rPr>
+              <a:t>.</a:t>
+            </a:r>
+          </a:p>
+          <a:p>
+            <a:pPr marL="342900" indent="-342900">
+              <a:lnSpc>
+                <a:spcPct val="80000"/>
+              </a:lnSpc>
+              <a:spcBef>
+                <a:spcPct val="20000"/>
+              </a:spcBef>
+              <a:buFontTx/>
+              <a:buBlip>
+                <a:blip r:embed="rId3"/>
+              </a:buBlip>
+            </a:pPr>
+            <a:r>
+              <a:rPr lang="es-CO" sz="1200" dirty="0" smtClean="0">
+                <a:solidFill>
+                  <a:schemeClr val="bg1">
+                    <a:lumMod val="50000"/>
+                  </a:schemeClr>
+                </a:solidFill>
+                <a:latin typeface="Arial" pitchFamily="34" charset="0"/>
+                <a:cs typeface="Arial" pitchFamily="34" charset="0"/>
+              </a:rPr>
+              <a:t>Más de </a:t>
+            </a:r>
+            <a:r>
+              <a:rPr lang="es-CO" sz="1200" dirty="0" smtClean="0">
+                <a:solidFill>
+                  <a:schemeClr val="accent1"/>
+                </a:solidFill>
+                <a:latin typeface="Arial" pitchFamily="34" charset="0"/>
+                <a:cs typeface="Arial" pitchFamily="34" charset="0"/>
+              </a:rPr>
+              <a:t>1000 proyectos exitosos </a:t>
+            </a:r>
+            <a:r>
+              <a:rPr lang="es-CO" sz="1200" dirty="0" smtClean="0">
+                <a:solidFill>
+                  <a:schemeClr val="bg1">
+                    <a:lumMod val="50000"/>
+                  </a:schemeClr>
+                </a:solidFill>
+                <a:latin typeface="Arial" pitchFamily="34" charset="0"/>
+                <a:cs typeface="Arial" pitchFamily="34" charset="0"/>
+              </a:rPr>
+              <a:t>en EE.UU., Canadá, UK, España, México, Honduras, Guatemala, Panamá, Costa Rica, Ecuador, Perú, Venezuela y Colombia. </a:t>
+            </a:r>
+          </a:p>
+          <a:p>
+            <a:pPr marL="342900" indent="-342900">
+              <a:lnSpc>
+                <a:spcPct val="80000"/>
+              </a:lnSpc>
+              <a:spcBef>
+                <a:spcPct val="20000"/>
+              </a:spcBef>
+              <a:buFontTx/>
+              <a:buBlip>
+                <a:blip r:embed="rId3"/>
+              </a:buBlip>
+            </a:pPr>
+            <a:r>
+              <a:rPr lang="es-CO" sz="1200" dirty="0" smtClean="0">
+                <a:solidFill>
+                  <a:schemeClr val="bg1">
+                    <a:lumMod val="50000"/>
+                  </a:schemeClr>
+                </a:solidFill>
+                <a:latin typeface="Arial" pitchFamily="34" charset="0"/>
+                <a:cs typeface="Arial" pitchFamily="34" charset="0"/>
+              </a:rPr>
+              <a:t>Múltiples verticales de industria, por ejemplo</a:t>
+            </a:r>
+            <a:r>
+              <a:rPr lang="es-CO" sz="1200" dirty="0" smtClean="0">
+                <a:solidFill>
+                  <a:srgbClr val="000000"/>
+                </a:solidFill>
+                <a:latin typeface="Arial" pitchFamily="34" charset="0"/>
+                <a:cs typeface="Arial" pitchFamily="34" charset="0"/>
+              </a:rPr>
+              <a:t>:</a:t>
+            </a:r>
+          </a:p>
+          <a:p>
+            <a:pPr lvl="1">
+              <a:buClr>
+                <a:schemeClr val="accent1"/>
+              </a:buClr>
+              <a:buSzPct val="70000"/>
+              <a:buFont typeface="Verdana" pitchFamily="34" charset="0"/>
+              <a:buBlip>
+                <a:blip r:embed="rId3"/>
+              </a:buBlip>
+            </a:pPr>
+            <a:r>
+              <a:rPr lang="es-CO" sz="1600" dirty="0" smtClean="0">
+                <a:solidFill>
+                  <a:schemeClr val="bg1">
+                    <a:lumMod val="50000"/>
+                  </a:schemeClr>
+                </a:solidFill>
+                <a:latin typeface="Arial" pitchFamily="34" charset="0"/>
+                <a:cs typeface="Arial" pitchFamily="34" charset="0"/>
+              </a:rPr>
+              <a:t> Manufactura</a:t>
+            </a:r>
+          </a:p>
+          <a:p>
+            <a:pPr lvl="1">
+              <a:buClr>
+                <a:schemeClr val="accent1"/>
+              </a:buClr>
+              <a:buSzPct val="70000"/>
+              <a:buFont typeface="Verdana" pitchFamily="34" charset="0"/>
+              <a:buBlip>
+                <a:blip r:embed="rId3"/>
+              </a:buBlip>
+            </a:pPr>
+            <a:r>
+              <a:rPr lang="es-CO" sz="1600" dirty="0" smtClean="0">
+                <a:solidFill>
+                  <a:schemeClr val="bg1">
+                    <a:lumMod val="50000"/>
+                  </a:schemeClr>
+                </a:solidFill>
+                <a:latin typeface="Arial" pitchFamily="34" charset="0"/>
+                <a:cs typeface="Arial" pitchFamily="34" charset="0"/>
+              </a:rPr>
+              <a:t> Logística y transporte</a:t>
+            </a:r>
+          </a:p>
+          <a:p>
+            <a:pPr marL="625475" lvl="1" indent="-168275">
+              <a:buClr>
+                <a:schemeClr val="accent1"/>
+              </a:buClr>
+              <a:buSzPct val="70000"/>
+              <a:buFont typeface="Verdana" pitchFamily="34" charset="0"/>
+              <a:buBlip>
+                <a:blip r:embed="rId3"/>
+              </a:buBlip>
+            </a:pPr>
+            <a:r>
+              <a:rPr lang="es-CO" sz="1600" dirty="0" smtClean="0">
+                <a:solidFill>
+                  <a:schemeClr val="bg1">
+                    <a:lumMod val="50000"/>
+                  </a:schemeClr>
+                </a:solidFill>
+                <a:latin typeface="Arial" pitchFamily="34" charset="0"/>
+                <a:cs typeface="Arial" pitchFamily="34" charset="0"/>
+              </a:rPr>
+              <a:t>Ventas directas y por catálogo</a:t>
+            </a:r>
+          </a:p>
+          <a:p>
+            <a:pPr lvl="1">
+              <a:buClr>
+                <a:schemeClr val="accent1"/>
+              </a:buClr>
+              <a:buSzPct val="70000"/>
+              <a:buFont typeface="Verdana" pitchFamily="34" charset="0"/>
+              <a:buBlip>
+                <a:blip r:embed="rId3"/>
+              </a:buBlip>
+            </a:pPr>
+            <a:r>
+              <a:rPr lang="es-CO" sz="1600" dirty="0" smtClean="0">
+                <a:solidFill>
+                  <a:schemeClr val="bg1">
+                    <a:lumMod val="50000"/>
+                  </a:schemeClr>
+                </a:solidFill>
+                <a:latin typeface="Arial" pitchFamily="34" charset="0"/>
+                <a:cs typeface="Arial" pitchFamily="34" charset="0"/>
+              </a:rPr>
+              <a:t> </a:t>
+            </a:r>
+            <a:r>
+              <a:rPr lang="es-CO" sz="1600" dirty="0" err="1" smtClean="0">
+                <a:solidFill>
+                  <a:schemeClr val="bg1">
+                    <a:lumMod val="50000"/>
+                  </a:schemeClr>
+                </a:solidFill>
+                <a:latin typeface="Arial" pitchFamily="34" charset="0"/>
+                <a:cs typeface="Arial" pitchFamily="34" charset="0"/>
+              </a:rPr>
+              <a:t>Retail</a:t>
+            </a:r>
+            <a:r>
+              <a:rPr lang="es-CO" sz="1600" dirty="0" smtClean="0">
+                <a:solidFill>
+                  <a:schemeClr val="bg1">
+                    <a:lumMod val="50000"/>
+                  </a:schemeClr>
+                </a:solidFill>
+                <a:latin typeface="Arial" pitchFamily="34" charset="0"/>
+                <a:cs typeface="Arial" pitchFamily="34" charset="0"/>
+              </a:rPr>
+              <a:t> y distribución</a:t>
+            </a:r>
+          </a:p>
+          <a:p>
+            <a:pPr lvl="1">
+              <a:buClr>
+                <a:schemeClr val="accent1"/>
+              </a:buClr>
+              <a:buSzPct val="70000"/>
+              <a:buFont typeface="Verdana" pitchFamily="34" charset="0"/>
+              <a:buBlip>
+                <a:blip r:embed="rId3"/>
+              </a:buBlip>
+            </a:pPr>
+            <a:r>
+              <a:rPr lang="es-CO" sz="1600" dirty="0" smtClean="0">
+                <a:solidFill>
+                  <a:schemeClr val="bg1">
+                    <a:lumMod val="50000"/>
+                  </a:schemeClr>
+                </a:solidFill>
+                <a:latin typeface="Arial" pitchFamily="34" charset="0"/>
+                <a:cs typeface="Arial" pitchFamily="34" charset="0"/>
+              </a:rPr>
+              <a:t> Servicios financieros</a:t>
+            </a:r>
+          </a:p>
+          <a:p>
+            <a:pPr lvl="1">
+              <a:buClr>
+                <a:schemeClr val="accent1"/>
+              </a:buClr>
+              <a:buSzPct val="70000"/>
+              <a:buFont typeface="Verdana" pitchFamily="34" charset="0"/>
+              <a:buBlip>
+                <a:blip r:embed="rId3"/>
+              </a:buBlip>
+            </a:pPr>
+            <a:r>
+              <a:rPr lang="en-US" sz="1600" dirty="0" smtClean="0">
+                <a:solidFill>
+                  <a:schemeClr val="bg1">
+                    <a:lumMod val="50000"/>
+                  </a:schemeClr>
+                </a:solidFill>
+                <a:latin typeface="Arial" pitchFamily="34" charset="0"/>
+                <a:cs typeface="Arial" pitchFamily="34" charset="0"/>
+              </a:rPr>
+              <a:t> </a:t>
+            </a:r>
+            <a:r>
+              <a:rPr lang="es-CO" sz="1600" dirty="0" smtClean="0">
+                <a:solidFill>
+                  <a:schemeClr val="bg1">
+                    <a:lumMod val="50000"/>
+                  </a:schemeClr>
+                </a:solidFill>
+                <a:latin typeface="Arial" pitchFamily="34" charset="0"/>
+                <a:cs typeface="Arial" pitchFamily="34" charset="0"/>
+              </a:rPr>
+              <a:t>Publicidad y medios</a:t>
+            </a:r>
+          </a:p>
+          <a:p>
+            <a:pPr lvl="1">
+              <a:buClr>
+                <a:schemeClr val="accent1"/>
+              </a:buClr>
+              <a:buSzPct val="70000"/>
+              <a:buFont typeface="Verdana" pitchFamily="34" charset="0"/>
+              <a:buBlip>
+                <a:blip r:embed="rId3"/>
+              </a:buBlip>
+            </a:pPr>
+            <a:r>
+              <a:rPr lang="es-CO" sz="1600" dirty="0" smtClean="0">
+                <a:solidFill>
+                  <a:schemeClr val="bg1">
+                    <a:lumMod val="50000"/>
+                  </a:schemeClr>
+                </a:solidFill>
+                <a:latin typeface="Arial" pitchFamily="34" charset="0"/>
+                <a:cs typeface="Arial" pitchFamily="34" charset="0"/>
+              </a:rPr>
+              <a:t> Gobierno</a:t>
+            </a:r>
+          </a:p>
+          <a:p>
+            <a:pPr lvl="1">
+              <a:buClr>
+                <a:schemeClr val="accent1"/>
+              </a:buClr>
+              <a:buSzPct val="70000"/>
+              <a:buFont typeface="Verdana" pitchFamily="34" charset="0"/>
+              <a:buBlip>
+                <a:blip r:embed="rId3"/>
+              </a:buBlip>
+            </a:pPr>
+            <a:r>
+              <a:rPr lang="es-CO" sz="1600" dirty="0" smtClean="0">
+                <a:solidFill>
+                  <a:schemeClr val="bg1">
+                    <a:lumMod val="50000"/>
+                  </a:schemeClr>
+                </a:solidFill>
+                <a:latin typeface="Arial" pitchFamily="34" charset="0"/>
+                <a:cs typeface="Arial" pitchFamily="34" charset="0"/>
+              </a:rPr>
+              <a:t> Petróleo y Gas</a:t>
+            </a:r>
+          </a:p>
+          <a:p>
+            <a:pPr lvl="1">
+              <a:buClr>
+                <a:schemeClr val="accent1"/>
+              </a:buClr>
+              <a:buSzPct val="70000"/>
+              <a:buFont typeface="Verdana" pitchFamily="34" charset="0"/>
+              <a:buBlip>
+                <a:blip r:embed="rId3"/>
+              </a:buBlip>
+            </a:pPr>
+            <a:r>
+              <a:rPr lang="es-CO" sz="1600" dirty="0" smtClean="0">
+                <a:solidFill>
+                  <a:schemeClr val="bg1">
+                    <a:lumMod val="50000"/>
+                  </a:schemeClr>
+                </a:solidFill>
+                <a:latin typeface="Arial" pitchFamily="34" charset="0"/>
+                <a:cs typeface="Arial" pitchFamily="34" charset="0"/>
+              </a:rPr>
+              <a:t> Educación</a:t>
+            </a:r>
+          </a:p>
+          <a:p>
+            <a:pPr lvl="1">
+              <a:buClr>
+                <a:schemeClr val="accent1"/>
+              </a:buClr>
+              <a:buSzPct val="70000"/>
+              <a:buFont typeface="Verdana" pitchFamily="34" charset="0"/>
+              <a:buBlip>
+                <a:blip r:embed="rId3"/>
+              </a:buBlip>
+            </a:pPr>
+            <a:r>
+              <a:rPr lang="es-CO" sz="1600" dirty="0" smtClean="0">
+                <a:solidFill>
+                  <a:schemeClr val="bg1">
+                    <a:lumMod val="50000"/>
+                  </a:schemeClr>
+                </a:solidFill>
+                <a:latin typeface="Arial" pitchFamily="34" charset="0"/>
+                <a:cs typeface="Arial" pitchFamily="34" charset="0"/>
+              </a:rPr>
+              <a:t> Telecomunicaciones</a:t>
+            </a:r>
+            <a:endParaRPr lang="en-US" sz="1600" dirty="0" smtClean="0">
+              <a:solidFill>
+                <a:schemeClr val="bg1">
+                  <a:lumMod val="50000"/>
+                </a:schemeClr>
+              </a:solidFill>
+              <a:latin typeface="Arial" pitchFamily="34" charset="0"/>
+              <a:cs typeface="Arial" pitchFamily="34" charset="0"/>
+            </a:endParaRPr>
+          </a:p>
+          <a:p>
+            <a:pPr eaLnBrk="1" hangingPunct="1"/>
+            <a:endParaRPr lang="es-ES" dirty="0" smtClean="0"/>
+          </a:p>
+        </p:txBody>
+      </p:sp>
+    </p:spTree>
+    <p:extLst>
+      <p:ext uri="{BB962C8B-B14F-4D97-AF65-F5344CB8AC3E}">
+        <p14:creationId xmlns:p14="http://schemas.microsoft.com/office/powerpoint/2010/main" val="3588516902"/>
+      </p:ext>
+    </p:extLst>
+  </p:cSld>
+  <p:clrMapOvr>
+    <a:masterClrMapping/>
+  </p:clrMapOvr>
+</p:notes>
+</file>
+
+<file path=ppt/notesSlides/notesSlide7.xml><?xml version="1.0" encoding="utf-8"?>
+<p:notes xmlns:a="http://schemas.openxmlformats.org/drawingml/2006/main" xmlns:r="http://schemas.openxmlformats.org/officeDocument/2006/relationships" xmlns:p="http://schemas.openxmlformats.org/presentationml/2006/main">
+  <p:cSld>
+    <p:spTree>
+      <p:nvGrpSpPr>
+        <p:cNvPr id="1" name=""/>
+        <p:cNvGrpSpPr/>
+        <p:nvPr/>
+      </p:nvGrpSpPr>
+      <p:grpSpPr>
+        <a:xfrm>
+          <a:off x="0" y="0"/>
+          <a:ext cx="0" cy="0"/>
+          <a:chOff x="0" y="0"/>
+          <a:chExt cx="0" cy="0"/>
+        </a:xfrm>
+      </p:grpSpPr>
+      <p:sp>
+        <p:nvSpPr>
           <p:cNvPr id="68610" name="Rectangle 7"/>
           <p:cNvSpPr>
             <a:spLocks noGrp="1" noChangeArrowheads="1"/>
@@ -3289,7 +4054,7 @@
             <a:fld id="{C73DD4F1-0397-4B61-B1A0-AA59FBCBD87C}" type="slidenum">
               <a:rPr lang="en-US" smtClean="0"/>
               <a:pPr eaLnBrk="1" hangingPunct="1"/>
-              <a:t>14</a:t>
+              <a:t>16</a:t>
             </a:fld>
             <a:endParaRPr lang="en-US" smtClean="0"/>
           </a:p>
@@ -8095,13 +8860,6 @@
               </a:rPr>
               <a:t>Make easier integration phase without unexpected errors</a:t>
             </a:r>
-            <a:endParaRPr lang="en-US" dirty="0" smtClean="0">
-              <a:solidFill>
-                <a:schemeClr val="tx2">
-                  <a:alpha val="99000"/>
-                </a:schemeClr>
-              </a:solidFill>
-            </a:endParaRPr>
           </a:p>
         </p:txBody>
       </p:sp>
@@ -8542,6 +9300,1373 @@
 <file path=ppt/slides/slide12.xml><?xml version="1.0" encoding="utf-8"?>
 <p:sld xmlns:a="http://schemas.openxmlformats.org/drawingml/2006/main" xmlns:r="http://schemas.openxmlformats.org/officeDocument/2006/relationships" xmlns:p="http://schemas.openxmlformats.org/presentationml/2006/main">
   <p:cSld>
+    <p:spTree>
+      <p:nvGrpSpPr>
+        <p:cNvPr id="1" name=""/>
+        <p:cNvGrpSpPr/>
+        <p:nvPr/>
+      </p:nvGrpSpPr>
+      <p:grpSpPr>
+        <a:xfrm>
+          <a:off x="0" y="0"/>
+          <a:ext cx="0" cy="0"/>
+          <a:chOff x="0" y="0"/>
+          <a:chExt cx="0" cy="0"/>
+        </a:xfrm>
+      </p:grpSpPr>
+      <p:pic>
+        <p:nvPicPr>
+          <p:cNvPr id="4" name="Picture 3"/>
+          <p:cNvPicPr>
+            <a:picLocks noChangeAspect="1"/>
+          </p:cNvPicPr>
+          <p:nvPr/>
+        </p:nvPicPr>
+        <p:blipFill rotWithShape="1">
+          <a:blip r:embed="rId2" cstate="print">
+            <a:extLst>
+              <a:ext uri="{28A0092B-C50C-407E-A947-70E740481C1C}">
+                <a14:useLocalDpi xmlns:a14="http://schemas.microsoft.com/office/drawing/2010/main" val="0"/>
+              </a:ext>
+            </a:extLst>
+          </a:blip>
+          <a:srcRect l="4687" t="15972" r="5730" b="16667"/>
+          <a:stretch/>
+        </p:blipFill>
+        <p:spPr>
+          <a:xfrm>
+            <a:off x="-168696" y="-99392"/>
+            <a:ext cx="12385376" cy="6984776"/>
+          </a:xfrm>
+          <a:prstGeom prst="rect">
+            <a:avLst/>
+          </a:prstGeom>
+        </p:spPr>
+      </p:pic>
+      <p:sp>
+        <p:nvSpPr>
+          <p:cNvPr id="10" name="Text Box 9"/>
+          <p:cNvSpPr txBox="1">
+            <a:spLocks noChangeArrowheads="1"/>
+          </p:cNvSpPr>
+          <p:nvPr/>
+        </p:nvSpPr>
+        <p:spPr bwMode="auto">
+          <a:xfrm>
+            <a:off x="-240704" y="-99392"/>
+            <a:ext cx="12456327" cy="6951792"/>
+          </a:xfrm>
+          <a:prstGeom prst="rect">
+            <a:avLst/>
+          </a:prstGeom>
+          <a:solidFill>
+            <a:schemeClr val="bg2">
+              <a:lumMod val="25000"/>
+              <a:alpha val="65098"/>
+            </a:schemeClr>
+          </a:solidFill>
+        </p:spPr>
+        <p:txBody>
+          <a:bodyPr vert="horz" wrap="square" lIns="1116000" tIns="36000" rIns="36000" bIns="36000" rtlCol="0" anchor="t" anchorCtr="0">
+            <a:noAutofit/>
+          </a:bodyPr>
+          <a:lstStyle>
+            <a:defPPr>
+              <a:defRPr lang="en-US"/>
+            </a:defPPr>
+            <a:lvl1pPr>
+              <a:buFont typeface="Wingdings" pitchFamily="2" charset="2"/>
+              <a:buNone/>
+              <a:defRPr sz="6000">
+                <a:solidFill>
+                  <a:srgbClr val="FFFFFF"/>
+                </a:solidFill>
+                <a:latin typeface="+mj-lt"/>
+              </a:defRPr>
+            </a:lvl1pPr>
+            <a:lvl2pPr>
+              <a:defRPr>
+                <a:solidFill>
+                  <a:schemeClr val="tx1"/>
+                </a:solidFill>
+              </a:defRPr>
+            </a:lvl2pPr>
+            <a:lvl3pPr>
+              <a:defRPr>
+                <a:solidFill>
+                  <a:schemeClr val="tx1"/>
+                </a:solidFill>
+              </a:defRPr>
+            </a:lvl3pPr>
+            <a:lvl4pPr>
+              <a:defRPr>
+                <a:solidFill>
+                  <a:schemeClr val="tx1"/>
+                </a:solidFill>
+              </a:defRPr>
+            </a:lvl4pPr>
+            <a:lvl5pPr>
+              <a:defRPr>
+                <a:solidFill>
+                  <a:schemeClr val="tx1"/>
+                </a:solidFill>
+              </a:defRPr>
+            </a:lvl5pPr>
+            <a:lvl6pPr>
+              <a:defRPr>
+                <a:solidFill>
+                  <a:schemeClr val="tx1"/>
+                </a:solidFill>
+              </a:defRPr>
+            </a:lvl6pPr>
+            <a:lvl7pPr>
+              <a:defRPr>
+                <a:solidFill>
+                  <a:schemeClr val="tx1"/>
+                </a:solidFill>
+              </a:defRPr>
+            </a:lvl7pPr>
+            <a:lvl8pPr>
+              <a:defRPr>
+                <a:solidFill>
+                  <a:schemeClr val="tx1"/>
+                </a:solidFill>
+              </a:defRPr>
+            </a:lvl8pPr>
+            <a:lvl9pPr>
+              <a:defRPr>
+                <a:solidFill>
+                  <a:schemeClr val="tx1"/>
+                </a:solidFill>
+              </a:defRPr>
+            </a:lvl9pPr>
+          </a:lstStyle>
+          <a:p>
+            <a:endParaRPr lang="en-US" sz="1800" dirty="0"/>
+          </a:p>
+        </p:txBody>
+      </p:sp>
+      <p:sp>
+        <p:nvSpPr>
+          <p:cNvPr id="11" name="Text Placeholder 10"/>
+          <p:cNvSpPr txBox="1">
+            <a:spLocks/>
+          </p:cNvSpPr>
+          <p:nvPr/>
+        </p:nvSpPr>
+        <p:spPr>
+          <a:xfrm>
+            <a:off x="1775520" y="3052235"/>
+            <a:ext cx="8280920" cy="664797"/>
+          </a:xfrm>
+          <a:prstGeom prst="rect">
+            <a:avLst/>
+          </a:prstGeom>
+        </p:spPr>
+        <p:txBody>
+          <a:bodyPr vert="horz" wrap="square" lIns="0" tIns="0" rIns="0" bIns="0" rtlCol="0">
+            <a:spAutoFit/>
+          </a:bodyPr>
+          <a:lstStyle>
+            <a:lvl1pPr marL="0" indent="0" algn="l" defTabSz="914363" rtl="0" eaLnBrk="1" latinLnBrk="0" hangingPunct="1">
+              <a:lnSpc>
+                <a:spcPct val="90000"/>
+              </a:lnSpc>
+              <a:spcBef>
+                <a:spcPct val="20000"/>
+              </a:spcBef>
+              <a:buSzPct val="90000"/>
+              <a:buFont typeface="Wingdings" pitchFamily="2" charset="2"/>
+              <a:buNone/>
+              <a:defRPr lang="en-US" sz="3600" b="1" kern="1200" spc="-53" dirty="0" smtClean="0">
+                <a:solidFill>
+                  <a:schemeClr val="bg1">
+                    <a:alpha val="99000"/>
+                  </a:schemeClr>
+                </a:solidFill>
+                <a:latin typeface="Segoe UI Light"/>
+                <a:ea typeface="+mn-ea"/>
+                <a:cs typeface="+mn-cs"/>
+              </a:defRPr>
+            </a:lvl1pPr>
+            <a:lvl2pPr marL="855663" indent="-395288" algn="l" defTabSz="914363" rtl="0" eaLnBrk="1" latinLnBrk="0" hangingPunct="1">
+              <a:lnSpc>
+                <a:spcPct val="90000"/>
+              </a:lnSpc>
+              <a:spcBef>
+                <a:spcPct val="20000"/>
+              </a:spcBef>
+              <a:buSzPct val="90000"/>
+              <a:buFont typeface="Wingdings" pitchFamily="2" charset="2"/>
+              <a:buChar char="§"/>
+              <a:defRPr lang="en-US" sz="2400" kern="1200" dirty="0" smtClean="0">
+                <a:solidFill>
+                  <a:schemeClr val="tx2">
+                    <a:alpha val="99000"/>
+                  </a:schemeClr>
+                </a:solidFill>
+                <a:latin typeface="+mn-lt"/>
+                <a:ea typeface="+mn-ea"/>
+                <a:cs typeface="+mn-cs"/>
+              </a:defRPr>
+            </a:lvl2pPr>
+            <a:lvl3pPr marL="1258888" indent="-403225" algn="l" defTabSz="914363" rtl="0" eaLnBrk="1" latinLnBrk="0" hangingPunct="1">
+              <a:lnSpc>
+                <a:spcPct val="90000"/>
+              </a:lnSpc>
+              <a:spcBef>
+                <a:spcPct val="20000"/>
+              </a:spcBef>
+              <a:buSzPct val="90000"/>
+              <a:buFont typeface="Wingdings" pitchFamily="2" charset="2"/>
+              <a:buChar char="§"/>
+              <a:defRPr lang="en-US" sz="2000" kern="1200" dirty="0" smtClean="0">
+                <a:solidFill>
+                  <a:schemeClr val="tx2">
+                    <a:alpha val="99000"/>
+                  </a:schemeClr>
+                </a:solidFill>
+                <a:latin typeface="+mn-lt"/>
+                <a:ea typeface="+mn-ea"/>
+                <a:cs typeface="+mn-cs"/>
+              </a:defRPr>
+            </a:lvl3pPr>
+            <a:lvl4pPr marL="1604963" indent="-346075" algn="l" defTabSz="914363" rtl="0" eaLnBrk="1" latinLnBrk="0" hangingPunct="1">
+              <a:lnSpc>
+                <a:spcPct val="90000"/>
+              </a:lnSpc>
+              <a:spcBef>
+                <a:spcPct val="20000"/>
+              </a:spcBef>
+              <a:buSzPct val="90000"/>
+              <a:buFont typeface="Wingdings" pitchFamily="2" charset="2"/>
+              <a:buChar char="§"/>
+              <a:defRPr lang="en-US" sz="1800" kern="1200" dirty="0" smtClean="0">
+                <a:solidFill>
+                  <a:schemeClr val="tx2">
+                    <a:alpha val="99000"/>
+                  </a:schemeClr>
+                </a:solidFill>
+                <a:latin typeface="+mn-lt"/>
+                <a:ea typeface="+mn-ea"/>
+                <a:cs typeface="+mn-cs"/>
+              </a:defRPr>
+            </a:lvl4pPr>
+            <a:lvl5pPr marL="1941513" indent="-336550" algn="l" defTabSz="914363" rtl="0" eaLnBrk="1" latinLnBrk="0" hangingPunct="1">
+              <a:lnSpc>
+                <a:spcPct val="90000"/>
+              </a:lnSpc>
+              <a:spcBef>
+                <a:spcPct val="20000"/>
+              </a:spcBef>
+              <a:buSzPct val="90000"/>
+              <a:buFont typeface="Wingdings" pitchFamily="2" charset="2"/>
+              <a:buChar char="§"/>
+              <a:defRPr lang="es-CO" sz="1800" kern="1200" dirty="0">
+                <a:solidFill>
+                  <a:schemeClr val="tx2">
+                    <a:alpha val="99000"/>
+                  </a:schemeClr>
+                </a:solidFill>
+                <a:latin typeface="+mn-lt"/>
+                <a:ea typeface="+mn-ea"/>
+                <a:cs typeface="+mn-cs"/>
+              </a:defRPr>
+            </a:lvl5pPr>
+            <a:lvl6pPr marL="2514499" indent="-228591" algn="l" defTabSz="914363" rtl="0" eaLnBrk="1" latinLnBrk="0" hangingPunct="1">
+              <a:spcBef>
+                <a:spcPct val="20000"/>
+              </a:spcBef>
+              <a:buFont typeface="Arial" pitchFamily="34" charset="0"/>
+              <a:buChar char="•"/>
+              <a:defRPr sz="2000" kern="1200">
+                <a:solidFill>
+                  <a:schemeClr val="tx1"/>
+                </a:solidFill>
+                <a:latin typeface="+mn-lt"/>
+                <a:ea typeface="+mn-ea"/>
+                <a:cs typeface="+mn-cs"/>
+              </a:defRPr>
+            </a:lvl6pPr>
+            <a:lvl7pPr marL="2971681" indent="-228591" algn="l" defTabSz="914363" rtl="0" eaLnBrk="1" latinLnBrk="0" hangingPunct="1">
+              <a:spcBef>
+                <a:spcPct val="20000"/>
+              </a:spcBef>
+              <a:buFont typeface="Arial" pitchFamily="34" charset="0"/>
+              <a:buChar char="•"/>
+              <a:defRPr sz="2000" kern="1200">
+                <a:solidFill>
+                  <a:schemeClr val="tx1"/>
+                </a:solidFill>
+                <a:latin typeface="+mn-lt"/>
+                <a:ea typeface="+mn-ea"/>
+                <a:cs typeface="+mn-cs"/>
+              </a:defRPr>
+            </a:lvl7pPr>
+            <a:lvl8pPr marL="3428863" indent="-228591" algn="l" defTabSz="914363" rtl="0" eaLnBrk="1" latinLnBrk="0" hangingPunct="1">
+              <a:spcBef>
+                <a:spcPct val="20000"/>
+              </a:spcBef>
+              <a:buFont typeface="Arial" pitchFamily="34" charset="0"/>
+              <a:buChar char="•"/>
+              <a:defRPr sz="2000" kern="1200">
+                <a:solidFill>
+                  <a:schemeClr val="tx1"/>
+                </a:solidFill>
+                <a:latin typeface="+mn-lt"/>
+                <a:ea typeface="+mn-ea"/>
+                <a:cs typeface="+mn-cs"/>
+              </a:defRPr>
+            </a:lvl8pPr>
+            <a:lvl9pPr marL="3886045" indent="-228591" algn="l" defTabSz="914363" rtl="0" eaLnBrk="1" latinLnBrk="0" hangingPunct="1">
+              <a:spcBef>
+                <a:spcPct val="20000"/>
+              </a:spcBef>
+              <a:buFont typeface="Arial" pitchFamily="34" charset="0"/>
+              <a:buChar char="•"/>
+              <a:defRPr sz="2000" kern="1200">
+                <a:solidFill>
+                  <a:schemeClr val="tx1"/>
+                </a:solidFill>
+                <a:latin typeface="+mn-lt"/>
+                <a:ea typeface="+mn-ea"/>
+                <a:cs typeface="+mn-cs"/>
+              </a:defRPr>
+            </a:lvl9pPr>
+          </a:lstStyle>
+          <a:p>
+            <a:pPr algn="ctr"/>
+            <a:r>
+              <a:rPr lang="es-CO" sz="4800" dirty="0" err="1" smtClean="0">
+                <a:latin typeface="+mj-lt"/>
+                <a:ea typeface="Roboto Black" pitchFamily="2" charset="0"/>
+                <a:cs typeface="Roboto Black" pitchFamily="2" charset="0"/>
+              </a:rPr>
+              <a:t>Homework</a:t>
+            </a:r>
+            <a:endParaRPr lang="es-CO" sz="4800" dirty="0">
+              <a:latin typeface="+mj-lt"/>
+              <a:ea typeface="Roboto Black" pitchFamily="2" charset="0"/>
+              <a:cs typeface="Roboto Black" pitchFamily="2" charset="0"/>
+            </a:endParaRPr>
+          </a:p>
+        </p:txBody>
+      </p:sp>
+      <p:grpSp>
+        <p:nvGrpSpPr>
+          <p:cNvPr id="12" name="Group 11"/>
+          <p:cNvGrpSpPr/>
+          <p:nvPr/>
+        </p:nvGrpSpPr>
+        <p:grpSpPr>
+          <a:xfrm>
+            <a:off x="2331883" y="3831992"/>
+            <a:ext cx="7076485" cy="114534"/>
+            <a:chOff x="2331883" y="3831992"/>
+            <a:chExt cx="7076485" cy="114534"/>
+          </a:xfrm>
+        </p:grpSpPr>
+        <p:sp>
+          <p:nvSpPr>
+            <p:cNvPr id="13" name="Rectangle 12"/>
+            <p:cNvSpPr/>
+            <p:nvPr/>
+          </p:nvSpPr>
+          <p:spPr bwMode="auto">
+            <a:xfrm rot="5400000">
+              <a:off x="2962337" y="3201538"/>
+              <a:ext cx="114533" cy="1375441"/>
+            </a:xfrm>
+            <a:prstGeom prst="rect">
+              <a:avLst/>
+            </a:prstGeom>
+            <a:solidFill>
+              <a:srgbClr val="FFFF00"/>
+            </a:solidFill>
+            <a:ln>
+              <a:noFill/>
+              <a:headEnd type="none" w="med" len="med"/>
+              <a:tailEnd type="none" w="med" len="med"/>
+            </a:ln>
+            <a:effectLst/>
+          </p:spPr>
+          <p:style>
+            <a:lnRef idx="1">
+              <a:schemeClr val="accent3"/>
+            </a:lnRef>
+            <a:fillRef idx="3">
+              <a:schemeClr val="accent3"/>
+            </a:fillRef>
+            <a:effectRef idx="2">
+              <a:schemeClr val="accent3"/>
+            </a:effectRef>
+            <a:fontRef idx="minor">
+              <a:schemeClr val="lt1"/>
+            </a:fontRef>
+          </p:style>
+          <p:txBody>
+            <a:bodyPr vert="horz" wrap="square" lIns="91436" tIns="45718" rIns="91436" bIns="45718" numCol="1" rtlCol="0" anchor="ctr" anchorCtr="0" compatLnSpc="1">
+              <a:prstTxWarp prst="textNoShape">
+                <a:avLst/>
+              </a:prstTxWarp>
+            </a:bodyPr>
+            <a:lstStyle/>
+            <a:p>
+              <a:pPr algn="ctr" defTabSz="914099" fontAlgn="base">
+                <a:spcBef>
+                  <a:spcPct val="0"/>
+                </a:spcBef>
+                <a:spcAft>
+                  <a:spcPct val="0"/>
+                </a:spcAft>
+              </a:pPr>
+              <a:endParaRPr lang="es-CO" sz="2200" dirty="0" smtClean="0">
+                <a:gradFill>
+                  <a:gsLst>
+                    <a:gs pos="0">
+                      <a:srgbClr val="FFFFFF"/>
+                    </a:gs>
+                    <a:gs pos="100000">
+                      <a:srgbClr val="FFFFFF"/>
+                    </a:gs>
+                  </a:gsLst>
+                  <a:lin ang="5400000" scaled="0"/>
+                </a:gradFill>
+              </a:endParaRPr>
+            </a:p>
+          </p:txBody>
+        </p:sp>
+        <p:sp>
+          <p:nvSpPr>
+            <p:cNvPr id="14" name="Rectangle 13"/>
+            <p:cNvSpPr/>
+            <p:nvPr/>
+          </p:nvSpPr>
+          <p:spPr bwMode="auto">
+            <a:xfrm rot="5400000">
+              <a:off x="4337778" y="3201538"/>
+              <a:ext cx="114533" cy="1375441"/>
+            </a:xfrm>
+            <a:prstGeom prst="rect">
+              <a:avLst/>
+            </a:prstGeom>
+            <a:solidFill>
+              <a:srgbClr val="00B45A"/>
+            </a:solidFill>
+            <a:ln>
+              <a:noFill/>
+              <a:headEnd type="none" w="med" len="med"/>
+              <a:tailEnd type="none" w="med" len="med"/>
+            </a:ln>
+            <a:effectLst/>
+          </p:spPr>
+          <p:style>
+            <a:lnRef idx="1">
+              <a:schemeClr val="accent3"/>
+            </a:lnRef>
+            <a:fillRef idx="3">
+              <a:schemeClr val="accent3"/>
+            </a:fillRef>
+            <a:effectRef idx="2">
+              <a:schemeClr val="accent3"/>
+            </a:effectRef>
+            <a:fontRef idx="minor">
+              <a:schemeClr val="lt1"/>
+            </a:fontRef>
+          </p:style>
+          <p:txBody>
+            <a:bodyPr vert="horz" wrap="square" lIns="91436" tIns="45718" rIns="91436" bIns="45718" numCol="1" rtlCol="0" anchor="ctr" anchorCtr="0" compatLnSpc="1">
+              <a:prstTxWarp prst="textNoShape">
+                <a:avLst/>
+              </a:prstTxWarp>
+            </a:bodyPr>
+            <a:lstStyle/>
+            <a:p>
+              <a:pPr algn="ctr" defTabSz="914099" fontAlgn="base">
+                <a:spcBef>
+                  <a:spcPct val="0"/>
+                </a:spcBef>
+                <a:spcAft>
+                  <a:spcPct val="0"/>
+                </a:spcAft>
+              </a:pPr>
+              <a:endParaRPr lang="es-CO" sz="2200" dirty="0" smtClean="0">
+                <a:gradFill>
+                  <a:gsLst>
+                    <a:gs pos="0">
+                      <a:srgbClr val="FFFFFF"/>
+                    </a:gs>
+                    <a:gs pos="100000">
+                      <a:srgbClr val="FFFFFF"/>
+                    </a:gs>
+                  </a:gsLst>
+                  <a:lin ang="5400000" scaled="0"/>
+                </a:gradFill>
+              </a:endParaRPr>
+            </a:p>
+          </p:txBody>
+        </p:sp>
+        <p:sp>
+          <p:nvSpPr>
+            <p:cNvPr id="15" name="Rectangle 14"/>
+            <p:cNvSpPr/>
+            <p:nvPr/>
+          </p:nvSpPr>
+          <p:spPr bwMode="auto">
+            <a:xfrm rot="5400000">
+              <a:off x="5713219" y="3201539"/>
+              <a:ext cx="114533" cy="1375441"/>
+            </a:xfrm>
+            <a:prstGeom prst="rect">
+              <a:avLst/>
+            </a:prstGeom>
+            <a:solidFill>
+              <a:srgbClr val="FF0000"/>
+            </a:solidFill>
+            <a:ln>
+              <a:noFill/>
+              <a:headEnd type="none" w="med" len="med"/>
+              <a:tailEnd type="none" w="med" len="med"/>
+            </a:ln>
+            <a:effectLst/>
+          </p:spPr>
+          <p:style>
+            <a:lnRef idx="1">
+              <a:schemeClr val="accent3"/>
+            </a:lnRef>
+            <a:fillRef idx="3">
+              <a:schemeClr val="accent3"/>
+            </a:fillRef>
+            <a:effectRef idx="2">
+              <a:schemeClr val="accent3"/>
+            </a:effectRef>
+            <a:fontRef idx="minor">
+              <a:schemeClr val="lt1"/>
+            </a:fontRef>
+          </p:style>
+          <p:txBody>
+            <a:bodyPr vert="horz" wrap="square" lIns="91436" tIns="45718" rIns="91436" bIns="45718" numCol="1" rtlCol="0" anchor="ctr" anchorCtr="0" compatLnSpc="1">
+              <a:prstTxWarp prst="textNoShape">
+                <a:avLst/>
+              </a:prstTxWarp>
+            </a:bodyPr>
+            <a:lstStyle/>
+            <a:p>
+              <a:pPr algn="ctr" defTabSz="914099" fontAlgn="base">
+                <a:spcBef>
+                  <a:spcPct val="0"/>
+                </a:spcBef>
+                <a:spcAft>
+                  <a:spcPct val="0"/>
+                </a:spcAft>
+              </a:pPr>
+              <a:endParaRPr lang="es-CO" sz="2200" dirty="0" smtClean="0">
+                <a:gradFill>
+                  <a:gsLst>
+                    <a:gs pos="0">
+                      <a:srgbClr val="FFFFFF"/>
+                    </a:gs>
+                    <a:gs pos="100000">
+                      <a:srgbClr val="FFFFFF"/>
+                    </a:gs>
+                  </a:gsLst>
+                  <a:lin ang="5400000" scaled="0"/>
+                </a:gradFill>
+              </a:endParaRPr>
+            </a:p>
+          </p:txBody>
+        </p:sp>
+        <p:sp>
+          <p:nvSpPr>
+            <p:cNvPr id="16" name="Rectangle 15"/>
+            <p:cNvSpPr/>
+            <p:nvPr/>
+          </p:nvSpPr>
+          <p:spPr bwMode="auto">
+            <a:xfrm rot="5400000">
+              <a:off x="7078084" y="3201539"/>
+              <a:ext cx="114533" cy="1375441"/>
+            </a:xfrm>
+            <a:prstGeom prst="rect">
+              <a:avLst/>
+            </a:prstGeom>
+            <a:solidFill>
+              <a:srgbClr val="0070C0"/>
+            </a:solidFill>
+            <a:ln>
+              <a:noFill/>
+              <a:headEnd type="none" w="med" len="med"/>
+              <a:tailEnd type="none" w="med" len="med"/>
+            </a:ln>
+            <a:effectLst/>
+          </p:spPr>
+          <p:style>
+            <a:lnRef idx="1">
+              <a:schemeClr val="accent3"/>
+            </a:lnRef>
+            <a:fillRef idx="3">
+              <a:schemeClr val="accent3"/>
+            </a:fillRef>
+            <a:effectRef idx="2">
+              <a:schemeClr val="accent3"/>
+            </a:effectRef>
+            <a:fontRef idx="minor">
+              <a:schemeClr val="lt1"/>
+            </a:fontRef>
+          </p:style>
+          <p:txBody>
+            <a:bodyPr vert="horz" wrap="square" lIns="91436" tIns="45718" rIns="91436" bIns="45718" numCol="1" rtlCol="0" anchor="ctr" anchorCtr="0" compatLnSpc="1">
+              <a:prstTxWarp prst="textNoShape">
+                <a:avLst/>
+              </a:prstTxWarp>
+            </a:bodyPr>
+            <a:lstStyle/>
+            <a:p>
+              <a:pPr algn="ctr" defTabSz="914099" fontAlgn="base">
+                <a:spcBef>
+                  <a:spcPct val="0"/>
+                </a:spcBef>
+                <a:spcAft>
+                  <a:spcPct val="0"/>
+                </a:spcAft>
+              </a:pPr>
+              <a:endParaRPr lang="es-CO" sz="2200" dirty="0" smtClean="0">
+                <a:gradFill>
+                  <a:gsLst>
+                    <a:gs pos="0">
+                      <a:srgbClr val="FFFFFF"/>
+                    </a:gs>
+                    <a:gs pos="100000">
+                      <a:srgbClr val="FFFFFF"/>
+                    </a:gs>
+                  </a:gsLst>
+                  <a:lin ang="5400000" scaled="0"/>
+                </a:gradFill>
+              </a:endParaRPr>
+            </a:p>
+          </p:txBody>
+        </p:sp>
+        <p:sp>
+          <p:nvSpPr>
+            <p:cNvPr id="18" name="Rectangle 17"/>
+            <p:cNvSpPr/>
+            <p:nvPr/>
+          </p:nvSpPr>
+          <p:spPr bwMode="auto">
+            <a:xfrm rot="5400000">
+              <a:off x="8558453" y="3096611"/>
+              <a:ext cx="114533" cy="1585297"/>
+            </a:xfrm>
+            <a:prstGeom prst="rect">
+              <a:avLst/>
+            </a:prstGeom>
+            <a:solidFill>
+              <a:srgbClr val="7030A0"/>
+            </a:solidFill>
+            <a:ln>
+              <a:noFill/>
+              <a:headEnd type="none" w="med" len="med"/>
+              <a:tailEnd type="none" w="med" len="med"/>
+            </a:ln>
+            <a:effectLst/>
+          </p:spPr>
+          <p:style>
+            <a:lnRef idx="1">
+              <a:schemeClr val="accent3"/>
+            </a:lnRef>
+            <a:fillRef idx="3">
+              <a:schemeClr val="accent3"/>
+            </a:fillRef>
+            <a:effectRef idx="2">
+              <a:schemeClr val="accent3"/>
+            </a:effectRef>
+            <a:fontRef idx="minor">
+              <a:schemeClr val="lt1"/>
+            </a:fontRef>
+          </p:style>
+          <p:txBody>
+            <a:bodyPr vert="horz" wrap="square" lIns="91436" tIns="45718" rIns="91436" bIns="45718" numCol="1" rtlCol="0" anchor="ctr" anchorCtr="0" compatLnSpc="1">
+              <a:prstTxWarp prst="textNoShape">
+                <a:avLst/>
+              </a:prstTxWarp>
+            </a:bodyPr>
+            <a:lstStyle/>
+            <a:p>
+              <a:pPr algn="ctr" defTabSz="914099" fontAlgn="base">
+                <a:spcBef>
+                  <a:spcPct val="0"/>
+                </a:spcBef>
+                <a:spcAft>
+                  <a:spcPct val="0"/>
+                </a:spcAft>
+              </a:pPr>
+              <a:endParaRPr lang="es-CO" sz="2200" dirty="0" smtClean="0">
+                <a:gradFill>
+                  <a:gsLst>
+                    <a:gs pos="0">
+                      <a:srgbClr val="FFFFFF"/>
+                    </a:gs>
+                    <a:gs pos="100000">
+                      <a:srgbClr val="FFFFFF"/>
+                    </a:gs>
+                  </a:gsLst>
+                  <a:lin ang="5400000" scaled="0"/>
+                </a:gradFill>
+              </a:endParaRPr>
+            </a:p>
+          </p:txBody>
+        </p:sp>
+      </p:grpSp>
+    </p:spTree>
+    <p:extLst>
+      <p:ext uri="{BB962C8B-B14F-4D97-AF65-F5344CB8AC3E}">
+        <p14:creationId xmlns:p14="http://schemas.microsoft.com/office/powerpoint/2010/main" val="1363838630"/>
+      </p:ext>
+    </p:extLst>
+  </p:cSld>
+  <p:clrMapOvr>
+    <a:masterClrMapping/>
+  </p:clrMapOvr>
+  <p:transition spd="slow">
+    <p:cover/>
+  </p:transition>
+  <p:timing>
+    <p:tnLst>
+      <p:par>
+        <p:cTn id="1" dur="indefinite" restart="never" nodeType="tmRoot"/>
+      </p:par>
+    </p:tnLst>
+  </p:timing>
+</p:sld>
+</file>
+
+<file path=ppt/slides/slide13.xml><?xml version="1.0" encoding="utf-8"?>
+<p:sld xmlns:a="http://schemas.openxmlformats.org/drawingml/2006/main" xmlns:r="http://schemas.openxmlformats.org/officeDocument/2006/relationships" xmlns:p="http://schemas.openxmlformats.org/presentationml/2006/main">
+  <p:cSld>
+    <p:spTree>
+      <p:nvGrpSpPr>
+        <p:cNvPr id="1" name=""/>
+        <p:cNvGrpSpPr/>
+        <p:nvPr/>
+      </p:nvGrpSpPr>
+      <p:grpSpPr>
+        <a:xfrm>
+          <a:off x="0" y="0"/>
+          <a:ext cx="0" cy="0"/>
+          <a:chOff x="0" y="0"/>
+          <a:chExt cx="0" cy="0"/>
+        </a:xfrm>
+      </p:grpSpPr>
+      <p:sp>
+        <p:nvSpPr>
+          <p:cNvPr id="2" name="Title 1"/>
+          <p:cNvSpPr>
+            <a:spLocks noGrp="1"/>
+          </p:cNvSpPr>
+          <p:nvPr>
+            <p:ph type="title"/>
+          </p:nvPr>
+        </p:nvSpPr>
+        <p:spPr/>
+        <p:txBody>
+          <a:bodyPr/>
+          <a:lstStyle/>
+          <a:p>
+            <a:r>
+              <a:rPr lang="es-CO" dirty="0" err="1" smtClean="0"/>
+              <a:t>Homework</a:t>
+            </a:r>
+            <a:endParaRPr lang="es-CO" dirty="0"/>
+          </a:p>
+        </p:txBody>
+      </p:sp>
+      <p:sp>
+        <p:nvSpPr>
+          <p:cNvPr id="9" name="Text Placeholder 8"/>
+          <p:cNvSpPr>
+            <a:spLocks noGrp="1"/>
+          </p:cNvSpPr>
+          <p:nvPr>
+            <p:ph type="body" sz="quarter" idx="11"/>
+          </p:nvPr>
+        </p:nvSpPr>
+        <p:spPr>
+          <a:xfrm rot="16200000">
+            <a:off x="-3066668" y="3226872"/>
+            <a:ext cx="6552879" cy="332399"/>
+          </a:xfrm>
+        </p:spPr>
+        <p:txBody>
+          <a:bodyPr/>
+          <a:lstStyle/>
+          <a:p>
+            <a:r>
+              <a:rPr lang="es-CO" dirty="0" err="1" smtClean="0">
+                <a:effectLst/>
+              </a:rPr>
+              <a:t>Homework</a:t>
+            </a:r>
+            <a:endParaRPr lang="es-CO" dirty="0" smtClean="0">
+              <a:effectLst/>
+            </a:endParaRPr>
+          </a:p>
+        </p:txBody>
+      </p:sp>
+      <p:sp>
+        <p:nvSpPr>
+          <p:cNvPr id="13" name="TextBox 12"/>
+          <p:cNvSpPr txBox="1"/>
+          <p:nvPr/>
+        </p:nvSpPr>
+        <p:spPr>
+          <a:xfrm>
+            <a:off x="2063552" y="1556792"/>
+            <a:ext cx="9073008" cy="830997"/>
+          </a:xfrm>
+          <a:prstGeom prst="rect">
+            <a:avLst/>
+          </a:prstGeom>
+          <a:noFill/>
+        </p:spPr>
+        <p:txBody>
+          <a:bodyPr wrap="square" lIns="0" tIns="0" rIns="0" bIns="0" rtlCol="0">
+            <a:spAutoFit/>
+          </a:bodyPr>
+          <a:lstStyle/>
+          <a:p>
+            <a:pPr marL="285750" indent="-285750">
+              <a:buFont typeface="Arial" panose="020B0604020202020204" pitchFamily="34" charset="0"/>
+              <a:buChar char="•"/>
+            </a:pPr>
+            <a:r>
+              <a:rPr lang="en-US" dirty="0">
+                <a:solidFill>
+                  <a:schemeClr val="tx2">
+                    <a:alpha val="99000"/>
+                  </a:schemeClr>
+                </a:solidFill>
+              </a:rPr>
+              <a:t>Fork this repo </a:t>
+            </a:r>
+            <a:r>
+              <a:rPr lang="en-US" dirty="0">
+                <a:solidFill>
+                  <a:schemeClr val="tx2">
+                    <a:alpha val="99000"/>
+                  </a:schemeClr>
+                </a:solidFill>
+                <a:hlinkClick r:id="rId3"/>
+              </a:rPr>
+              <a:t>https://</a:t>
+            </a:r>
+            <a:r>
+              <a:rPr lang="en-US" dirty="0" smtClean="0">
+                <a:solidFill>
+                  <a:schemeClr val="tx2">
+                    <a:alpha val="99000"/>
+                  </a:schemeClr>
+                </a:solidFill>
+                <a:hlinkClick r:id="rId3"/>
+              </a:rPr>
+              <a:t>github.com/jdtorregrosas/psl-praxis</a:t>
+            </a:r>
+            <a:endParaRPr lang="en-US" dirty="0">
+              <a:solidFill>
+                <a:schemeClr val="tx2">
+                  <a:alpha val="99000"/>
+                </a:schemeClr>
+              </a:solidFill>
+            </a:endParaRPr>
+          </a:p>
+          <a:p>
+            <a:pPr marL="285750" indent="-285750">
+              <a:buFont typeface="Arial" panose="020B0604020202020204" pitchFamily="34" charset="0"/>
+              <a:buChar char="•"/>
+            </a:pPr>
+            <a:r>
+              <a:rPr lang="en-US" dirty="0" smtClean="0">
+                <a:solidFill>
+                  <a:schemeClr val="tx2">
+                    <a:alpha val="99000"/>
+                  </a:schemeClr>
+                </a:solidFill>
+              </a:rPr>
+              <a:t>Clone your forked repo</a:t>
+            </a:r>
+            <a:endParaRPr lang="en-US" dirty="0">
+              <a:solidFill>
+                <a:schemeClr val="tx2">
+                  <a:alpha val="99000"/>
+                </a:schemeClr>
+              </a:solidFill>
+            </a:endParaRPr>
+          </a:p>
+          <a:p>
+            <a:pPr marL="285750" indent="-285750">
+              <a:buFont typeface="Arial" panose="020B0604020202020204" pitchFamily="34" charset="0"/>
+              <a:buChar char="•"/>
+            </a:pPr>
+            <a:endParaRPr lang="en-US" dirty="0" smtClean="0">
+              <a:solidFill>
+                <a:schemeClr val="tx2">
+                  <a:alpha val="99000"/>
+                </a:schemeClr>
+              </a:solidFill>
+            </a:endParaRPr>
+          </a:p>
+        </p:txBody>
+      </p:sp>
+      <p:sp>
+        <p:nvSpPr>
+          <p:cNvPr id="5" name="Title 1"/>
+          <p:cNvSpPr txBox="1">
+            <a:spLocks/>
+          </p:cNvSpPr>
+          <p:nvPr/>
+        </p:nvSpPr>
+        <p:spPr>
+          <a:xfrm>
+            <a:off x="1847528" y="1024978"/>
+            <a:ext cx="3456384" cy="387798"/>
+          </a:xfrm>
+          <a:prstGeom prst="rect">
+            <a:avLst/>
+          </a:prstGeom>
+        </p:spPr>
+        <p:txBody>
+          <a:bodyPr vert="horz" wrap="square" lIns="0" tIns="0" rIns="0" bIns="0" rtlCol="0" anchor="t">
+            <a:spAutoFit/>
+          </a:bodyPr>
+          <a:lstStyle>
+            <a:lvl1pPr algn="l" defTabSz="914363" rtl="0" eaLnBrk="1" latinLnBrk="0" hangingPunct="1">
+              <a:lnSpc>
+                <a:spcPct val="90000"/>
+              </a:lnSpc>
+              <a:spcBef>
+                <a:spcPct val="0"/>
+              </a:spcBef>
+              <a:buNone/>
+              <a:defRPr lang="en-US" sz="4000" b="0" kern="1200" cap="none" spc="-100" baseline="0">
+                <a:ln w="3175">
+                  <a:noFill/>
+                </a:ln>
+                <a:solidFill>
+                  <a:schemeClr val="bg1">
+                    <a:lumMod val="50000"/>
+                    <a:alpha val="99000"/>
+                  </a:schemeClr>
+                </a:solidFill>
+                <a:effectLst/>
+                <a:latin typeface="Segoe UI Light" pitchFamily="34" charset="0"/>
+                <a:ea typeface="+mn-ea"/>
+                <a:cs typeface="Arial" charset="0"/>
+              </a:defRPr>
+            </a:lvl1pPr>
+          </a:lstStyle>
+          <a:p>
+            <a:r>
+              <a:rPr lang="es-CO" sz="2800" dirty="0" err="1" smtClean="0"/>
+              <a:t>Preconditions</a:t>
+            </a:r>
+            <a:endParaRPr lang="es-CO" sz="2800" dirty="0"/>
+          </a:p>
+        </p:txBody>
+      </p:sp>
+      <p:sp>
+        <p:nvSpPr>
+          <p:cNvPr id="6" name="TextBox 5"/>
+          <p:cNvSpPr txBox="1"/>
+          <p:nvPr/>
+        </p:nvSpPr>
+        <p:spPr>
+          <a:xfrm>
+            <a:off x="2063552" y="2919135"/>
+            <a:ext cx="9073008" cy="1661993"/>
+          </a:xfrm>
+          <a:prstGeom prst="rect">
+            <a:avLst/>
+          </a:prstGeom>
+          <a:noFill/>
+        </p:spPr>
+        <p:txBody>
+          <a:bodyPr wrap="square" lIns="0" tIns="0" rIns="0" bIns="0" rtlCol="0">
+            <a:spAutoFit/>
+          </a:bodyPr>
+          <a:lstStyle/>
+          <a:p>
+            <a:pPr marL="285750" indent="-285750">
+              <a:buFont typeface="Arial" panose="020B0604020202020204" pitchFamily="34" charset="0"/>
+              <a:buChar char="•"/>
+            </a:pPr>
+            <a:r>
+              <a:rPr lang="en-US" dirty="0" smtClean="0">
+                <a:solidFill>
+                  <a:schemeClr val="tx2">
+                    <a:alpha val="99000"/>
+                  </a:schemeClr>
+                </a:solidFill>
+              </a:rPr>
+              <a:t>Retrieve the “Enemies” from this </a:t>
+            </a:r>
+            <a:r>
+              <a:rPr lang="en-US" dirty="0">
+                <a:solidFill>
+                  <a:schemeClr val="tx2">
+                    <a:alpha val="99000"/>
+                  </a:schemeClr>
+                </a:solidFill>
+              </a:rPr>
+              <a:t>web service: </a:t>
+            </a:r>
+            <a:r>
+              <a:rPr lang="en-US" dirty="0">
+                <a:solidFill>
+                  <a:schemeClr val="tx2">
+                    <a:alpha val="99000"/>
+                  </a:schemeClr>
+                </a:solidFill>
+                <a:hlinkClick r:id="rId4"/>
+              </a:rPr>
+              <a:t>https://</a:t>
+            </a:r>
+            <a:r>
+              <a:rPr lang="en-US" dirty="0" smtClean="0">
+                <a:solidFill>
+                  <a:schemeClr val="tx2">
+                    <a:alpha val="99000"/>
+                  </a:schemeClr>
+                </a:solidFill>
+                <a:hlinkClick r:id="rId4"/>
+              </a:rPr>
+              <a:t>jdtorregrosasapi.herokuapp.com/enemies</a:t>
+            </a:r>
+            <a:endParaRPr lang="en-US" dirty="0" smtClean="0">
+              <a:solidFill>
+                <a:schemeClr val="tx2">
+                  <a:alpha val="99000"/>
+                </a:schemeClr>
+              </a:solidFill>
+            </a:endParaRPr>
+          </a:p>
+          <a:p>
+            <a:pPr marL="285750" indent="-285750">
+              <a:buFont typeface="Arial" panose="020B0604020202020204" pitchFamily="34" charset="0"/>
+              <a:buChar char="•"/>
+            </a:pPr>
+            <a:r>
+              <a:rPr lang="en-US" dirty="0" smtClean="0">
+                <a:solidFill>
+                  <a:schemeClr val="tx2">
+                    <a:alpha val="99000"/>
+                  </a:schemeClr>
+                </a:solidFill>
+              </a:rPr>
+              <a:t>Show the enemies list with the following properties: name, image, history</a:t>
+            </a:r>
+          </a:p>
+          <a:p>
+            <a:pPr marL="285750" indent="-285750">
+              <a:buFont typeface="Arial" panose="020B0604020202020204" pitchFamily="34" charset="0"/>
+              <a:buChar char="•"/>
+            </a:pPr>
+            <a:r>
+              <a:rPr lang="en-US" dirty="0" smtClean="0">
+                <a:solidFill>
+                  <a:schemeClr val="tx2">
+                    <a:alpha val="99000"/>
+                  </a:schemeClr>
+                </a:solidFill>
+              </a:rPr>
+              <a:t>Create a link in the name to redirect to the link retrieved from service</a:t>
+            </a:r>
+          </a:p>
+          <a:p>
+            <a:pPr marL="285750" indent="-285750">
+              <a:buFont typeface="Arial" panose="020B0604020202020204" pitchFamily="34" charset="0"/>
+              <a:buChar char="•"/>
+            </a:pPr>
+            <a:r>
+              <a:rPr lang="en-US" dirty="0" smtClean="0">
+                <a:solidFill>
+                  <a:schemeClr val="tx2">
+                    <a:alpha val="99000"/>
+                  </a:schemeClr>
+                </a:solidFill>
+              </a:rPr>
+              <a:t>Commit your changes and push them to your forked repo</a:t>
+            </a:r>
+            <a:endParaRPr lang="en-US" dirty="0" smtClean="0">
+              <a:solidFill>
+                <a:schemeClr val="tx2">
+                  <a:alpha val="99000"/>
+                </a:schemeClr>
+              </a:solidFill>
+            </a:endParaRPr>
+          </a:p>
+          <a:p>
+            <a:pPr marL="285750" indent="-285750">
+              <a:buFont typeface="Arial" panose="020B0604020202020204" pitchFamily="34" charset="0"/>
+              <a:buChar char="•"/>
+            </a:pPr>
+            <a:endParaRPr lang="en-US" dirty="0" smtClean="0">
+              <a:solidFill>
+                <a:schemeClr val="tx2">
+                  <a:alpha val="99000"/>
+                </a:schemeClr>
+              </a:solidFill>
+            </a:endParaRPr>
+          </a:p>
+        </p:txBody>
+      </p:sp>
+      <p:sp>
+        <p:nvSpPr>
+          <p:cNvPr id="7" name="Title 1"/>
+          <p:cNvSpPr txBox="1">
+            <a:spLocks/>
+          </p:cNvSpPr>
+          <p:nvPr/>
+        </p:nvSpPr>
+        <p:spPr>
+          <a:xfrm>
+            <a:off x="1847528" y="2389992"/>
+            <a:ext cx="3456384" cy="387798"/>
+          </a:xfrm>
+          <a:prstGeom prst="rect">
+            <a:avLst/>
+          </a:prstGeom>
+        </p:spPr>
+        <p:txBody>
+          <a:bodyPr vert="horz" wrap="square" lIns="0" tIns="0" rIns="0" bIns="0" rtlCol="0" anchor="t">
+            <a:spAutoFit/>
+          </a:bodyPr>
+          <a:lstStyle>
+            <a:lvl1pPr algn="l" defTabSz="914363" rtl="0" eaLnBrk="1" latinLnBrk="0" hangingPunct="1">
+              <a:lnSpc>
+                <a:spcPct val="90000"/>
+              </a:lnSpc>
+              <a:spcBef>
+                <a:spcPct val="0"/>
+              </a:spcBef>
+              <a:buNone/>
+              <a:defRPr lang="en-US" sz="4000" b="0" kern="1200" cap="none" spc="-100" baseline="0">
+                <a:ln w="3175">
+                  <a:noFill/>
+                </a:ln>
+                <a:solidFill>
+                  <a:schemeClr val="bg1">
+                    <a:lumMod val="50000"/>
+                    <a:alpha val="99000"/>
+                  </a:schemeClr>
+                </a:solidFill>
+                <a:effectLst/>
+                <a:latin typeface="Segoe UI Light" pitchFamily="34" charset="0"/>
+                <a:ea typeface="+mn-ea"/>
+                <a:cs typeface="Arial" charset="0"/>
+              </a:defRPr>
+            </a:lvl1pPr>
+          </a:lstStyle>
+          <a:p>
+            <a:r>
+              <a:rPr lang="es-CO" sz="2800" dirty="0" err="1" smtClean="0"/>
+              <a:t>Homework</a:t>
+            </a:r>
+            <a:endParaRPr lang="es-CO" sz="2800" dirty="0"/>
+          </a:p>
+        </p:txBody>
+      </p:sp>
+      <p:sp>
+        <p:nvSpPr>
+          <p:cNvPr id="14" name="TextBox 13"/>
+          <p:cNvSpPr txBox="1"/>
+          <p:nvPr/>
+        </p:nvSpPr>
+        <p:spPr>
+          <a:xfrm>
+            <a:off x="2063552" y="5256958"/>
+            <a:ext cx="9073008" cy="1107996"/>
+          </a:xfrm>
+          <a:prstGeom prst="rect">
+            <a:avLst/>
+          </a:prstGeom>
+          <a:noFill/>
+        </p:spPr>
+        <p:txBody>
+          <a:bodyPr wrap="square" lIns="0" tIns="0" rIns="0" bIns="0" rtlCol="0">
+            <a:spAutoFit/>
+          </a:bodyPr>
+          <a:lstStyle/>
+          <a:p>
+            <a:pPr marL="285750" indent="-285750">
+              <a:buFont typeface="Arial" panose="020B0604020202020204" pitchFamily="34" charset="0"/>
+              <a:buChar char="•"/>
+            </a:pPr>
+            <a:r>
+              <a:rPr lang="en-US" dirty="0" smtClean="0">
+                <a:solidFill>
+                  <a:schemeClr val="tx2">
+                    <a:alpha val="99000"/>
+                  </a:schemeClr>
+                </a:solidFill>
+              </a:rPr>
+              <a:t>Tuesday 27</a:t>
+            </a:r>
+            <a:r>
+              <a:rPr lang="en-US" baseline="30000" dirty="0" smtClean="0">
+                <a:solidFill>
+                  <a:schemeClr val="tx2">
+                    <a:alpha val="99000"/>
+                  </a:schemeClr>
+                </a:solidFill>
+              </a:rPr>
+              <a:t>th</a:t>
+            </a:r>
+            <a:r>
+              <a:rPr lang="en-US" dirty="0" smtClean="0">
+                <a:solidFill>
+                  <a:schemeClr val="tx2">
+                    <a:alpha val="99000"/>
+                  </a:schemeClr>
+                </a:solidFill>
+              </a:rPr>
+              <a:t> February - 24:00</a:t>
+            </a:r>
+          </a:p>
+          <a:p>
+            <a:pPr marL="285750" indent="-285750">
+              <a:buFont typeface="Arial" panose="020B0604020202020204" pitchFamily="34" charset="0"/>
+              <a:buChar char="•"/>
+            </a:pPr>
+            <a:r>
+              <a:rPr lang="en-US" dirty="0" smtClean="0">
+                <a:solidFill>
+                  <a:schemeClr val="tx2">
+                    <a:alpha val="99000"/>
+                  </a:schemeClr>
+                </a:solidFill>
+              </a:rPr>
+              <a:t>The changes committed after the deadline will not be graded</a:t>
+            </a:r>
+          </a:p>
+          <a:p>
+            <a:pPr marL="285750" indent="-285750">
+              <a:buFont typeface="Arial" panose="020B0604020202020204" pitchFamily="34" charset="0"/>
+              <a:buChar char="•"/>
+            </a:pPr>
+            <a:r>
+              <a:rPr lang="en-US" dirty="0" smtClean="0">
+                <a:solidFill>
+                  <a:schemeClr val="tx2">
+                    <a:alpha val="99000"/>
+                  </a:schemeClr>
+                </a:solidFill>
+              </a:rPr>
+              <a:t>Give your best and show up your imagination capacity</a:t>
+            </a:r>
+            <a:endParaRPr lang="en-US" dirty="0" smtClean="0">
+              <a:solidFill>
+                <a:schemeClr val="tx2">
+                  <a:alpha val="99000"/>
+                </a:schemeClr>
+              </a:solidFill>
+            </a:endParaRPr>
+          </a:p>
+          <a:p>
+            <a:pPr marL="285750" indent="-285750">
+              <a:buFont typeface="Arial" panose="020B0604020202020204" pitchFamily="34" charset="0"/>
+              <a:buChar char="•"/>
+            </a:pPr>
+            <a:endParaRPr lang="en-US" dirty="0" smtClean="0">
+              <a:solidFill>
+                <a:schemeClr val="tx2">
+                  <a:alpha val="99000"/>
+                </a:schemeClr>
+              </a:solidFill>
+            </a:endParaRPr>
+          </a:p>
+        </p:txBody>
+      </p:sp>
+      <p:sp>
+        <p:nvSpPr>
+          <p:cNvPr id="15" name="Title 1"/>
+          <p:cNvSpPr txBox="1">
+            <a:spLocks/>
+          </p:cNvSpPr>
+          <p:nvPr/>
+        </p:nvSpPr>
+        <p:spPr>
+          <a:xfrm>
+            <a:off x="1847528" y="4581128"/>
+            <a:ext cx="3456384" cy="387798"/>
+          </a:xfrm>
+          <a:prstGeom prst="rect">
+            <a:avLst/>
+          </a:prstGeom>
+        </p:spPr>
+        <p:txBody>
+          <a:bodyPr vert="horz" wrap="square" lIns="0" tIns="0" rIns="0" bIns="0" rtlCol="0" anchor="t">
+            <a:spAutoFit/>
+          </a:bodyPr>
+          <a:lstStyle>
+            <a:lvl1pPr algn="l" defTabSz="914363" rtl="0" eaLnBrk="1" latinLnBrk="0" hangingPunct="1">
+              <a:lnSpc>
+                <a:spcPct val="90000"/>
+              </a:lnSpc>
+              <a:spcBef>
+                <a:spcPct val="0"/>
+              </a:spcBef>
+              <a:buNone/>
+              <a:defRPr lang="en-US" sz="4000" b="0" kern="1200" cap="none" spc="-100" baseline="0">
+                <a:ln w="3175">
+                  <a:noFill/>
+                </a:ln>
+                <a:solidFill>
+                  <a:schemeClr val="bg1">
+                    <a:lumMod val="50000"/>
+                    <a:alpha val="99000"/>
+                  </a:schemeClr>
+                </a:solidFill>
+                <a:effectLst/>
+                <a:latin typeface="Segoe UI Light" pitchFamily="34" charset="0"/>
+                <a:ea typeface="+mn-ea"/>
+                <a:cs typeface="Arial" charset="0"/>
+              </a:defRPr>
+            </a:lvl1pPr>
+          </a:lstStyle>
+          <a:p>
+            <a:r>
+              <a:rPr lang="es-CO" sz="2800" dirty="0" err="1" smtClean="0"/>
+              <a:t>Deadline</a:t>
+            </a:r>
+            <a:endParaRPr lang="es-CO" sz="2800" dirty="0"/>
+          </a:p>
+        </p:txBody>
+      </p:sp>
+    </p:spTree>
+    <p:extLst>
+      <p:ext uri="{BB962C8B-B14F-4D97-AF65-F5344CB8AC3E}">
+        <p14:creationId xmlns:p14="http://schemas.microsoft.com/office/powerpoint/2010/main" val="411720"/>
+      </p:ext>
+    </p:extLst>
+  </p:cSld>
+  <p:clrMapOvr>
+    <a:masterClrMapping/>
+  </p:clrMapOvr>
+  <p:transition spd="slow">
+    <p:pull/>
+  </p:transition>
+  <p:timing>
+    <p:tnLst>
+      <p:par>
+        <p:cTn id="1" dur="indefinite" restart="never" nodeType="tmRoot"/>
+      </p:par>
+    </p:tnLst>
+  </p:timing>
+</p:sld>
+</file>
+
+<file path=ppt/slides/slide14.xml><?xml version="1.0" encoding="utf-8"?>
+<p:sld xmlns:a="http://schemas.openxmlformats.org/drawingml/2006/main" xmlns:r="http://schemas.openxmlformats.org/officeDocument/2006/relationships" xmlns:p="http://schemas.openxmlformats.org/presentationml/2006/main">
+  <p:cSld>
     <p:bg>
       <p:bgPr>
         <a:gradFill>
@@ -8600,13 +10725,13 @@
               </a:ext>
             </a:extLst>
           </a:blip>
-          <a:srcRect l="6565" r="2" b="2151"/>
+          <a:srcRect r="12627" b="2151"/>
           <a:stretch/>
         </p:blipFill>
         <p:spPr>
           <a:xfrm>
             <a:off x="-168696" y="-99392"/>
-            <a:ext cx="13321480" cy="6984776"/>
+            <a:ext cx="12457384" cy="6984776"/>
           </a:xfrm>
           <a:prstGeom prst="rect">
             <a:avLst/>
@@ -8623,7 +10748,7 @@
         </p:nvSpPr>
         <p:spPr bwMode="auto">
           <a:xfrm>
-            <a:off x="695400" y="-99392"/>
+            <a:off x="-168696" y="-99392"/>
             <a:ext cx="12456327" cy="6951792"/>
           </a:xfrm>
           <a:prstGeom prst="rect">
@@ -9326,7 +11451,7 @@
 </p:sld>
 </file>
 
-<file path=ppt/slides/slide13.xml><?xml version="1.0" encoding="utf-8"?>
+<file path=ppt/slides/slide15.xml><?xml version="1.0" encoding="utf-8"?>
 <p:sld xmlns:a="http://schemas.openxmlformats.org/drawingml/2006/main" xmlns:r="http://schemas.openxmlformats.org/officeDocument/2006/relationships" xmlns:p="http://schemas.openxmlformats.org/presentationml/2006/main">
   <p:cSld>
     <p:spTree>
@@ -9414,7 +11539,7 @@
         <p:spPr>
           <a:xfrm>
             <a:off x="2063552" y="1700808"/>
-            <a:ext cx="9073008" cy="830997"/>
+            <a:ext cx="9073008" cy="1384995"/>
           </a:xfrm>
           <a:prstGeom prst="rect">
             <a:avLst/>
@@ -9514,12 +11639,84 @@
               </a:solidFill>
             </a:endParaRPr>
           </a:p>
+          <a:p>
+            <a:pPr marL="285750" indent="-285750">
+              <a:buFont typeface="Arial" panose="020B0604020202020204" pitchFamily="34" charset="0"/>
+              <a:buChar char="•"/>
+            </a:pPr>
+            <a:r>
+              <a:rPr lang="en-US" dirty="0" err="1" smtClean="0">
+                <a:solidFill>
+                  <a:schemeClr val="tx2">
+                    <a:alpha val="99000"/>
+                  </a:schemeClr>
+                </a:solidFill>
+              </a:rPr>
+              <a:t>Axios</a:t>
+            </a:r>
+            <a:r>
+              <a:rPr lang="en-US" dirty="0" smtClean="0">
+                <a:solidFill>
+                  <a:schemeClr val="tx2">
+                    <a:alpha val="99000"/>
+                  </a:schemeClr>
+                </a:solidFill>
+              </a:rPr>
+              <a:t> - </a:t>
+            </a:r>
+            <a:r>
+              <a:rPr lang="en-US" dirty="0"/>
+              <a:t>Promise based HTTP client </a:t>
+            </a:r>
+            <a:r>
+              <a:rPr lang="en-US" dirty="0" smtClean="0"/>
+              <a:t>[</a:t>
+            </a:r>
+            <a:r>
+              <a:rPr lang="en-US" dirty="0" smtClean="0">
+                <a:hlinkClick r:id="rId4"/>
+              </a:rPr>
+              <a:t>https</a:t>
+            </a:r>
+            <a:r>
+              <a:rPr lang="en-US" dirty="0">
+                <a:hlinkClick r:id="rId4"/>
+              </a:rPr>
+              <a:t>://</a:t>
+            </a:r>
+            <a:r>
+              <a:rPr lang="en-US" dirty="0" smtClean="0">
+                <a:hlinkClick r:id="rId4"/>
+              </a:rPr>
+              <a:t>github.com/axios/axios</a:t>
+            </a:r>
+            <a:r>
+              <a:rPr lang="en-US" dirty="0" smtClean="0"/>
+              <a:t>]</a:t>
+            </a:r>
+            <a:endParaRPr lang="en-US" dirty="0" smtClean="0">
+              <a:solidFill>
+                <a:schemeClr val="tx2">
+                  <a:alpha val="99000"/>
+                </a:schemeClr>
+              </a:solidFill>
+            </a:endParaRPr>
+          </a:p>
+          <a:p>
+            <a:endParaRPr lang="en-US" dirty="0" smtClean="0">
+              <a:solidFill>
+                <a:schemeClr val="tx2">
+                  <a:alpha val="99000"/>
+                </a:schemeClr>
+              </a:solidFill>
+            </a:endParaRPr>
+          </a:p>
         </p:txBody>
       </p:sp>
     </p:spTree>
     <p:extLst>
       <p:ext uri="{BB962C8B-B14F-4D97-AF65-F5344CB8AC3E}">
-        <p14:creationId xmlns:p14="http://schemas.microsoft.com/office/powerpoint/2010/main" val="411720"/>
+        <p14:creationId xmlns:p14="http://schemas.microsoft.com/office/powerpoint/2010/main" val="3425516357"/>
       </p:ext>
     </p:extLst>
   </p:cSld>
@@ -9539,7 +11736,7 @@
 </p:sld>
 </file>
 
-<file path=ppt/slides/slide14.xml><?xml version="1.0" encoding="utf-8"?>
+<file path=ppt/slides/slide16.xml><?xml version="1.0" encoding="utf-8"?>
 <p:sld xmlns:a="http://schemas.openxmlformats.org/drawingml/2006/main" xmlns:r="http://schemas.openxmlformats.org/officeDocument/2006/relationships" xmlns:p="http://schemas.openxmlformats.org/presentationml/2006/main">
   <p:cSld>
     <p:spTree>
